--- a/Source Coding/Q2/tree.pptx
+++ b/Source Coding/Q2/tree.pptx
@@ -104,6 +104,11 @@
       </a:defRPr>
     </a:lvl9pPr>
   </p:defaultTextStyle>
+  <p:extLst>
+    <p:ext uri="{EFAFB233-063F-42B5-8137-9DF3F51BA10A}">
+      <p15:sldGuideLst xmlns:p15="http://schemas.microsoft.com/office/powerpoint/2012/main"/>
+    </p:ext>
+  </p:extLst>
 </p:presentation>
 </file>
 
@@ -3512,105 +3517,7 @@
             <a:pPr algn="ctr"/>
             <a:r>
               <a:rPr lang="en-US" dirty="0"/>
-              <a:t>A</a:t>
-            </a:r>
-          </a:p>
-        </p:txBody>
-      </p:sp>
-      <p:sp>
-        <p:nvSpPr>
-          <p:cNvPr id="10" name="Arrow: Right 9">
-            <a:extLst>
-              <a:ext uri="{FF2B5EF4-FFF2-40B4-BE49-F238E27FC236}">
-                <a16:creationId xmlns:a16="http://schemas.microsoft.com/office/drawing/2014/main" id="{A9DAA271-A1F9-4B00-8EF7-C47C296D1EAB}"/>
-              </a:ext>
-            </a:extLst>
-          </p:cNvPr>
-          <p:cNvSpPr/>
-          <p:nvPr/>
-        </p:nvSpPr>
-        <p:spPr>
-          <a:xfrm rot="762080">
-            <a:off x="3001072" y="1339214"/>
-            <a:ext cx="1019908" cy="413238"/>
-          </a:xfrm>
-          <a:prstGeom prst="rightArrow">
-            <a:avLst/>
-          </a:prstGeom>
-        </p:spPr>
-        <p:style>
-          <a:lnRef idx="2">
-            <a:schemeClr val="accent1">
-              <a:shade val="50000"/>
-            </a:schemeClr>
-          </a:lnRef>
-          <a:fillRef idx="1">
-            <a:schemeClr val="accent1"/>
-          </a:fillRef>
-          <a:effectRef idx="0">
-            <a:schemeClr val="accent1"/>
-          </a:effectRef>
-          <a:fontRef idx="minor">
-            <a:schemeClr val="lt1"/>
-          </a:fontRef>
-        </p:style>
-        <p:txBody>
-          <a:bodyPr rtlCol="0" anchor="ctr"/>
-          <a:lstStyle/>
-          <a:p>
-            <a:pPr algn="ctr"/>
-            <a:r>
-              <a:rPr lang="en-US" dirty="0"/>
-              <a:t>1</a:t>
-            </a:r>
-          </a:p>
-        </p:txBody>
-      </p:sp>
-      <p:sp>
-        <p:nvSpPr>
-          <p:cNvPr id="11" name="Rectangle 10">
-            <a:extLst>
-              <a:ext uri="{FF2B5EF4-FFF2-40B4-BE49-F238E27FC236}">
-                <a16:creationId xmlns:a16="http://schemas.microsoft.com/office/drawing/2014/main" id="{3C839F4F-1BCD-447B-85A5-D362A5CF3071}"/>
-              </a:ext>
-            </a:extLst>
-          </p:cNvPr>
-          <p:cNvSpPr/>
-          <p:nvPr/>
-        </p:nvSpPr>
-        <p:spPr>
-          <a:xfrm>
-            <a:off x="4032110" y="1494692"/>
-            <a:ext cx="703385" cy="342900"/>
-          </a:xfrm>
-          <a:prstGeom prst="rect">
-            <a:avLst/>
-          </a:prstGeom>
-        </p:spPr>
-        <p:style>
-          <a:lnRef idx="2">
-            <a:schemeClr val="accent2">
-              <a:shade val="50000"/>
-            </a:schemeClr>
-          </a:lnRef>
-          <a:fillRef idx="1">
-            <a:schemeClr val="accent2"/>
-          </a:fillRef>
-          <a:effectRef idx="0">
-            <a:schemeClr val="accent2"/>
-          </a:effectRef>
-          <a:fontRef idx="minor">
-            <a:schemeClr val="lt1"/>
-          </a:fontRef>
-        </p:style>
-        <p:txBody>
-          <a:bodyPr rtlCol="0" anchor="ctr"/>
-          <a:lstStyle/>
-          <a:p>
-            <a:pPr algn="ctr"/>
-            <a:r>
-              <a:rPr lang="en-US" dirty="0"/>
-              <a:t>B</a:t>
+              <a:t>C</a:t>
             </a:r>
           </a:p>
         </p:txBody>
@@ -3666,10 +3573,10 @@
       </p:sp>
       <p:sp>
         <p:nvSpPr>
-          <p:cNvPr id="13" name="Arrow: Right 12">
-            <a:extLst>
-              <a:ext uri="{FF2B5EF4-FFF2-40B4-BE49-F238E27FC236}">
-                <a16:creationId xmlns:a16="http://schemas.microsoft.com/office/drawing/2014/main" id="{5FAE649E-4AC9-410E-8DBB-7AB3F654703B}"/>
+          <p:cNvPr id="26" name="Arrow: Right 25">
+            <a:extLst>
+              <a:ext uri="{FF2B5EF4-FFF2-40B4-BE49-F238E27FC236}">
+                <a16:creationId xmlns:a16="http://schemas.microsoft.com/office/drawing/2014/main" id="{1C41E0BC-DED3-43FE-9F6A-2A5E6792D485}"/>
               </a:ext>
             </a:extLst>
           </p:cNvPr>
@@ -3677,8 +3584,8 @@
           <p:nvPr/>
         </p:nvSpPr>
         <p:spPr>
-          <a:xfrm>
-            <a:off x="3036425" y="1818785"/>
+          <a:xfrm rot="884823">
+            <a:off x="3001402" y="1401291"/>
             <a:ext cx="1019908" cy="413238"/>
           </a:xfrm>
           <a:prstGeom prst="rightArrow">
@@ -3708,17 +3615,17 @@
             <a:pPr algn="ctr"/>
             <a:r>
               <a:rPr lang="en-US" dirty="0"/>
-              <a:t>0</a:t>
-            </a:r>
-          </a:p>
-        </p:txBody>
-      </p:sp>
-      <p:sp>
-        <p:nvSpPr>
-          <p:cNvPr id="14" name="Rectangle 13">
-            <a:extLst>
-              <a:ext uri="{FF2B5EF4-FFF2-40B4-BE49-F238E27FC236}">
-                <a16:creationId xmlns:a16="http://schemas.microsoft.com/office/drawing/2014/main" id="{9C85F904-1E26-43F0-8EE9-767B98352DBE}"/>
+              <a:t>1</a:t>
+            </a:r>
+          </a:p>
+        </p:txBody>
+      </p:sp>
+      <p:sp>
+        <p:nvSpPr>
+          <p:cNvPr id="27" name="Rectangle 26">
+            <a:extLst>
+              <a:ext uri="{FF2B5EF4-FFF2-40B4-BE49-F238E27FC236}">
+                <a16:creationId xmlns:a16="http://schemas.microsoft.com/office/drawing/2014/main" id="{B9EE6288-837F-472E-8EE1-C3AE86D8D7AD}"/>
               </a:ext>
             </a:extLst>
           </p:cNvPr>
@@ -3727,7 +3634,7 @@
         </p:nvSpPr>
         <p:spPr>
           <a:xfrm>
-            <a:off x="4057810" y="1900995"/>
+            <a:off x="4054589" y="1587633"/>
             <a:ext cx="703385" cy="342900"/>
           </a:xfrm>
           <a:prstGeom prst="rect">
@@ -3757,17 +3664,17 @@
             <a:pPr algn="ctr"/>
             <a:r>
               <a:rPr lang="en-US" dirty="0"/>
-              <a:t>C</a:t>
-            </a:r>
-          </a:p>
-        </p:txBody>
-      </p:sp>
-      <p:sp>
-        <p:nvSpPr>
-          <p:cNvPr id="15" name="Arrow: Right 14">
-            <a:extLst>
-              <a:ext uri="{FF2B5EF4-FFF2-40B4-BE49-F238E27FC236}">
-                <a16:creationId xmlns:a16="http://schemas.microsoft.com/office/drawing/2014/main" id="{3DC82490-59EE-4034-9F53-E564A029B229}"/>
+              <a:t>B</a:t>
+            </a:r>
+          </a:p>
+        </p:txBody>
+      </p:sp>
+      <p:sp>
+        <p:nvSpPr>
+          <p:cNvPr id="28" name="Arrow: Right 27">
+            <a:extLst>
+              <a:ext uri="{FF2B5EF4-FFF2-40B4-BE49-F238E27FC236}">
+                <a16:creationId xmlns:a16="http://schemas.microsoft.com/office/drawing/2014/main" id="{20EB1072-43D1-46F1-9693-DE02DB014173}"/>
               </a:ext>
             </a:extLst>
           </p:cNvPr>
@@ -3775,8 +3682,8 @@
           <p:nvPr/>
         </p:nvSpPr>
         <p:spPr>
-          <a:xfrm rot="2200192">
-            <a:off x="2821116" y="2338102"/>
+          <a:xfrm rot="273601">
+            <a:off x="3001401" y="1969372"/>
             <a:ext cx="1019908" cy="413238"/>
           </a:xfrm>
           <a:prstGeom prst="rightArrow">
@@ -3813,10 +3720,10 @@
       </p:sp>
       <p:sp>
         <p:nvSpPr>
-          <p:cNvPr id="16" name="Arrow: Right 15">
-            <a:extLst>
-              <a:ext uri="{FF2B5EF4-FFF2-40B4-BE49-F238E27FC236}">
-                <a16:creationId xmlns:a16="http://schemas.microsoft.com/office/drawing/2014/main" id="{6992EADB-EB3C-4127-A3B2-13A770F3575A}"/>
+          <p:cNvPr id="29" name="Rectangle 28">
+            <a:extLst>
+              <a:ext uri="{FF2B5EF4-FFF2-40B4-BE49-F238E27FC236}">
+                <a16:creationId xmlns:a16="http://schemas.microsoft.com/office/drawing/2014/main" id="{934731D2-44A7-41BE-83A5-989F7E751A70}"/>
               </a:ext>
             </a:extLst>
           </p:cNvPr>
@@ -3825,7 +3732,56 @@
         </p:nvSpPr>
         <p:spPr>
           <a:xfrm>
-            <a:off x="3741287" y="2458823"/>
+            <a:off x="4086508" y="2113921"/>
+            <a:ext cx="703385" cy="342900"/>
+          </a:xfrm>
+          <a:prstGeom prst="rect">
+            <a:avLst/>
+          </a:prstGeom>
+        </p:spPr>
+        <p:style>
+          <a:lnRef idx="2">
+            <a:schemeClr val="accent2">
+              <a:shade val="50000"/>
+            </a:schemeClr>
+          </a:lnRef>
+          <a:fillRef idx="1">
+            <a:schemeClr val="accent2"/>
+          </a:fillRef>
+          <a:effectRef idx="0">
+            <a:schemeClr val="accent2"/>
+          </a:effectRef>
+          <a:fontRef idx="minor">
+            <a:schemeClr val="lt1"/>
+          </a:fontRef>
+        </p:style>
+        <p:txBody>
+          <a:bodyPr rtlCol="0" anchor="ctr"/>
+          <a:lstStyle/>
+          <a:p>
+            <a:pPr algn="ctr"/>
+            <a:r>
+              <a:rPr lang="en-US" dirty="0"/>
+              <a:t>A</a:t>
+            </a:r>
+          </a:p>
+        </p:txBody>
+      </p:sp>
+      <p:sp>
+        <p:nvSpPr>
+          <p:cNvPr id="30" name="Arrow: Right 29">
+            <a:extLst>
+              <a:ext uri="{FF2B5EF4-FFF2-40B4-BE49-F238E27FC236}">
+                <a16:creationId xmlns:a16="http://schemas.microsoft.com/office/drawing/2014/main" id="{DA8FECEB-5925-4341-AC39-B128851A31DB}"/>
+              </a:ext>
+            </a:extLst>
+          </p:cNvPr>
+          <p:cNvSpPr/>
+          <p:nvPr/>
+        </p:nvSpPr>
+        <p:spPr>
+          <a:xfrm rot="1996504">
+            <a:off x="2777385" y="2372484"/>
             <a:ext cx="1019908" cy="413238"/>
           </a:xfrm>
           <a:prstGeom prst="rightArrow">
@@ -3862,10 +3818,10 @@
       </p:sp>
       <p:sp>
         <p:nvSpPr>
-          <p:cNvPr id="17" name="Rectangle 16">
-            <a:extLst>
-              <a:ext uri="{FF2B5EF4-FFF2-40B4-BE49-F238E27FC236}">
-                <a16:creationId xmlns:a16="http://schemas.microsoft.com/office/drawing/2014/main" id="{9D9B7ED9-0A2D-4CFE-AFB0-3C534FB6A01C}"/>
+          <p:cNvPr id="31" name="Arrow: Right 30">
+            <a:extLst>
+              <a:ext uri="{FF2B5EF4-FFF2-40B4-BE49-F238E27FC236}">
+                <a16:creationId xmlns:a16="http://schemas.microsoft.com/office/drawing/2014/main" id="{D494BC66-F120-4295-B43E-521BBD8E8A9A}"/>
               </a:ext>
             </a:extLst>
           </p:cNvPr>
@@ -3873,8 +3829,57 @@
           <p:nvPr/>
         </p:nvSpPr>
         <p:spPr>
+          <a:xfrm rot="273601">
+            <a:off x="3755173" y="2578628"/>
+            <a:ext cx="1019908" cy="413238"/>
+          </a:xfrm>
+          <a:prstGeom prst="rightArrow">
+            <a:avLst/>
+          </a:prstGeom>
+        </p:spPr>
+        <p:style>
+          <a:lnRef idx="2">
+            <a:schemeClr val="accent1">
+              <a:shade val="50000"/>
+            </a:schemeClr>
+          </a:lnRef>
+          <a:fillRef idx="1">
+            <a:schemeClr val="accent1"/>
+          </a:fillRef>
+          <a:effectRef idx="0">
+            <a:schemeClr val="accent1"/>
+          </a:effectRef>
+          <a:fontRef idx="minor">
+            <a:schemeClr val="lt1"/>
+          </a:fontRef>
+        </p:style>
+        <p:txBody>
+          <a:bodyPr rtlCol="0" anchor="ctr"/>
+          <a:lstStyle/>
+          <a:p>
+            <a:pPr algn="ctr"/>
+            <a:r>
+              <a:rPr lang="en-US" dirty="0"/>
+              <a:t>1</a:t>
+            </a:r>
+          </a:p>
+        </p:txBody>
+      </p:sp>
+      <p:sp>
+        <p:nvSpPr>
+          <p:cNvPr id="32" name="Rectangle 31">
+            <a:extLst>
+              <a:ext uri="{FF2B5EF4-FFF2-40B4-BE49-F238E27FC236}">
+                <a16:creationId xmlns:a16="http://schemas.microsoft.com/office/drawing/2014/main" id="{D0159A3E-B0DE-4914-81EC-371F1DD6C09A}"/>
+              </a:ext>
+            </a:extLst>
+          </p:cNvPr>
+          <p:cNvSpPr/>
+          <p:nvPr/>
+        </p:nvSpPr>
+        <p:spPr>
           <a:xfrm>
-            <a:off x="4794871" y="2533389"/>
+            <a:off x="4840280" y="2723177"/>
             <a:ext cx="703385" cy="342900"/>
           </a:xfrm>
           <a:prstGeom prst="rect">
@@ -3904,17 +3909,17 @@
             <a:pPr algn="ctr"/>
             <a:r>
               <a:rPr lang="en-US" dirty="0"/>
-              <a:t>D</a:t>
-            </a:r>
-          </a:p>
-        </p:txBody>
-      </p:sp>
-      <p:sp>
-        <p:nvSpPr>
-          <p:cNvPr id="18" name="Arrow: Right 17">
-            <a:extLst>
-              <a:ext uri="{FF2B5EF4-FFF2-40B4-BE49-F238E27FC236}">
-                <a16:creationId xmlns:a16="http://schemas.microsoft.com/office/drawing/2014/main" id="{9DA99865-A7E7-4058-8E23-319F3B761466}"/>
+              <a:t>E</a:t>
+            </a:r>
+          </a:p>
+        </p:txBody>
+      </p:sp>
+      <p:sp>
+        <p:nvSpPr>
+          <p:cNvPr id="33" name="Arrow: Right 32">
+            <a:extLst>
+              <a:ext uri="{FF2B5EF4-FFF2-40B4-BE49-F238E27FC236}">
+                <a16:creationId xmlns:a16="http://schemas.microsoft.com/office/drawing/2014/main" id="{BABC4AF4-5200-4A4A-B16B-971CDC039A7B}"/>
               </a:ext>
             </a:extLst>
           </p:cNvPr>
@@ -3922,8 +3927,8 @@
           <p:nvPr/>
         </p:nvSpPr>
         <p:spPr>
-          <a:xfrm rot="2200192">
-            <a:off x="3543976" y="3023303"/>
+          <a:xfrm rot="1996504">
+            <a:off x="3544635" y="3091549"/>
             <a:ext cx="1019908" cy="413238"/>
           </a:xfrm>
           <a:prstGeom prst="rightArrow">
@@ -3953,17 +3958,17 @@
             <a:pPr algn="ctr"/>
             <a:r>
               <a:rPr lang="en-US" dirty="0"/>
-              <a:t>1</a:t>
-            </a:r>
-          </a:p>
-        </p:txBody>
-      </p:sp>
-      <p:sp>
-        <p:nvSpPr>
-          <p:cNvPr id="19" name="Arrow: Right 18">
-            <a:extLst>
-              <a:ext uri="{FF2B5EF4-FFF2-40B4-BE49-F238E27FC236}">
-                <a16:creationId xmlns:a16="http://schemas.microsoft.com/office/drawing/2014/main" id="{A48BE20D-7CA2-4431-8774-EA93C10F2A4D}"/>
+              <a:t>0</a:t>
+            </a:r>
+          </a:p>
+        </p:txBody>
+      </p:sp>
+      <p:sp>
+        <p:nvSpPr>
+          <p:cNvPr id="34" name="Arrow: Right 33">
+            <a:extLst>
+              <a:ext uri="{FF2B5EF4-FFF2-40B4-BE49-F238E27FC236}">
+                <a16:creationId xmlns:a16="http://schemas.microsoft.com/office/drawing/2014/main" id="{12EFC65C-9725-4632-A573-BA9C456C3819}"/>
               </a:ext>
             </a:extLst>
           </p:cNvPr>
@@ -3971,8 +3976,8 @@
           <p:nvPr/>
         </p:nvSpPr>
         <p:spPr>
-          <a:xfrm>
-            <a:off x="4464147" y="3144024"/>
+          <a:xfrm rot="1996504">
+            <a:off x="4436035" y="3689135"/>
             <a:ext cx="1019908" cy="413238"/>
           </a:xfrm>
           <a:prstGeom prst="rightArrow">
@@ -4002,17 +4007,17 @@
             <a:pPr algn="ctr"/>
             <a:r>
               <a:rPr lang="en-US" dirty="0"/>
-              <a:t>0</a:t>
-            </a:r>
-          </a:p>
-        </p:txBody>
-      </p:sp>
-      <p:sp>
-        <p:nvSpPr>
-          <p:cNvPr id="20" name="Rectangle 19">
-            <a:extLst>
-              <a:ext uri="{FF2B5EF4-FFF2-40B4-BE49-F238E27FC236}">
-                <a16:creationId xmlns:a16="http://schemas.microsoft.com/office/drawing/2014/main" id="{51F3070F-F537-4041-ACD2-86979F6B7017}"/>
+              <a:t>1</a:t>
+            </a:r>
+          </a:p>
+        </p:txBody>
+      </p:sp>
+      <p:sp>
+        <p:nvSpPr>
+          <p:cNvPr id="35" name="Arrow: Right 34">
+            <a:extLst>
+              <a:ext uri="{FF2B5EF4-FFF2-40B4-BE49-F238E27FC236}">
+                <a16:creationId xmlns:a16="http://schemas.microsoft.com/office/drawing/2014/main" id="{6EDB194C-210C-4A6C-94F2-71B7D55DB5C4}"/>
               </a:ext>
             </a:extLst>
           </p:cNvPr>
@@ -4020,8 +4025,57 @@
           <p:nvPr/>
         </p:nvSpPr>
         <p:spPr>
-          <a:xfrm>
-            <a:off x="5517731" y="3218590"/>
+          <a:xfrm rot="224617">
+            <a:off x="4600839" y="3161436"/>
+            <a:ext cx="1019908" cy="413238"/>
+          </a:xfrm>
+          <a:prstGeom prst="rightArrow">
+            <a:avLst/>
+          </a:prstGeom>
+        </p:spPr>
+        <p:style>
+          <a:lnRef idx="2">
+            <a:schemeClr val="accent1">
+              <a:shade val="50000"/>
+            </a:schemeClr>
+          </a:lnRef>
+          <a:fillRef idx="1">
+            <a:schemeClr val="accent1"/>
+          </a:fillRef>
+          <a:effectRef idx="0">
+            <a:schemeClr val="accent1"/>
+          </a:effectRef>
+          <a:fontRef idx="minor">
+            <a:schemeClr val="lt1"/>
+          </a:fontRef>
+        </p:style>
+        <p:txBody>
+          <a:bodyPr rtlCol="0" anchor="ctr"/>
+          <a:lstStyle/>
+          <a:p>
+            <a:pPr algn="ctr"/>
+            <a:r>
+              <a:rPr lang="en-US" dirty="0"/>
+              <a:t>0</a:t>
+            </a:r>
+          </a:p>
+        </p:txBody>
+      </p:sp>
+      <p:sp>
+        <p:nvSpPr>
+          <p:cNvPr id="36" name="Rectangle 35">
+            <a:extLst>
+              <a:ext uri="{FF2B5EF4-FFF2-40B4-BE49-F238E27FC236}">
+                <a16:creationId xmlns:a16="http://schemas.microsoft.com/office/drawing/2014/main" id="{C17F0BF6-5426-40F6-9F7B-2307CEC5664C}"/>
+              </a:ext>
+            </a:extLst>
+          </p:cNvPr>
+          <p:cNvSpPr/>
+          <p:nvPr/>
+        </p:nvSpPr>
+        <p:spPr>
+          <a:xfrm rot="21551016">
+            <a:off x="5685946" y="3305985"/>
             <a:ext cx="703385" cy="342900"/>
           </a:xfrm>
           <a:prstGeom prst="rect">
@@ -4051,17 +4105,17 @@
             <a:pPr algn="ctr"/>
             <a:r>
               <a:rPr lang="en-US" dirty="0"/>
-              <a:t>E</a:t>
-            </a:r>
-          </a:p>
-        </p:txBody>
-      </p:sp>
-      <p:sp>
-        <p:nvSpPr>
-          <p:cNvPr id="21" name="Arrow: Right 20">
-            <a:extLst>
-              <a:ext uri="{FF2B5EF4-FFF2-40B4-BE49-F238E27FC236}">
-                <a16:creationId xmlns:a16="http://schemas.microsoft.com/office/drawing/2014/main" id="{FA79BA02-930B-4EE2-8F6A-A85A9BDAB75B}"/>
+              <a:t>D</a:t>
+            </a:r>
+          </a:p>
+        </p:txBody>
+      </p:sp>
+      <p:sp>
+        <p:nvSpPr>
+          <p:cNvPr id="37" name="Arrow: Right 36">
+            <a:extLst>
+              <a:ext uri="{FF2B5EF4-FFF2-40B4-BE49-F238E27FC236}">
+                <a16:creationId xmlns:a16="http://schemas.microsoft.com/office/drawing/2014/main" id="{035C373F-A971-4E7C-AFB3-726AB2EA7CFC}"/>
               </a:ext>
             </a:extLst>
           </p:cNvPr>
@@ -4069,8 +4123,8 @@
           <p:nvPr/>
         </p:nvSpPr>
         <p:spPr>
-          <a:xfrm rot="2200192">
-            <a:off x="4389042" y="3673681"/>
+          <a:xfrm rot="224617">
+            <a:off x="5498101" y="3858724"/>
             <a:ext cx="1019908" cy="413238"/>
           </a:xfrm>
           <a:prstGeom prst="rightArrow">
@@ -4100,17 +4154,17 @@
             <a:pPr algn="ctr"/>
             <a:r>
               <a:rPr lang="en-US" dirty="0"/>
-              <a:t>1</a:t>
-            </a:r>
-          </a:p>
-        </p:txBody>
-      </p:sp>
-      <p:sp>
-        <p:nvSpPr>
-          <p:cNvPr id="22" name="Arrow: Right 21">
-            <a:extLst>
-              <a:ext uri="{FF2B5EF4-FFF2-40B4-BE49-F238E27FC236}">
-                <a16:creationId xmlns:a16="http://schemas.microsoft.com/office/drawing/2014/main" id="{2A9EC056-4367-4377-A850-565ED65409BF}"/>
+              <a:t>0</a:t>
+            </a:r>
+          </a:p>
+        </p:txBody>
+      </p:sp>
+      <p:sp>
+        <p:nvSpPr>
+          <p:cNvPr id="38" name="Rectangle 37">
+            <a:extLst>
+              <a:ext uri="{FF2B5EF4-FFF2-40B4-BE49-F238E27FC236}">
+                <a16:creationId xmlns:a16="http://schemas.microsoft.com/office/drawing/2014/main" id="{A0E5B20A-8DDB-49D3-AE2A-563203A5CB12}"/>
               </a:ext>
             </a:extLst>
           </p:cNvPr>
@@ -4118,8 +4172,57 @@
           <p:nvPr/>
         </p:nvSpPr>
         <p:spPr>
-          <a:xfrm>
-            <a:off x="5309213" y="3794402"/>
+          <a:xfrm rot="21551016">
+            <a:off x="6583208" y="4003273"/>
+            <a:ext cx="703385" cy="342900"/>
+          </a:xfrm>
+          <a:prstGeom prst="rect">
+            <a:avLst/>
+          </a:prstGeom>
+        </p:spPr>
+        <p:style>
+          <a:lnRef idx="2">
+            <a:schemeClr val="accent2">
+              <a:shade val="50000"/>
+            </a:schemeClr>
+          </a:lnRef>
+          <a:fillRef idx="1">
+            <a:schemeClr val="accent2"/>
+          </a:fillRef>
+          <a:effectRef idx="0">
+            <a:schemeClr val="accent2"/>
+          </a:effectRef>
+          <a:fontRef idx="minor">
+            <a:schemeClr val="lt1"/>
+          </a:fontRef>
+        </p:style>
+        <p:txBody>
+          <a:bodyPr rtlCol="0" anchor="ctr"/>
+          <a:lstStyle/>
+          <a:p>
+            <a:pPr algn="ctr"/>
+            <a:r>
+              <a:rPr lang="en-US" dirty="0"/>
+              <a:t>F</a:t>
+            </a:r>
+          </a:p>
+        </p:txBody>
+      </p:sp>
+      <p:sp>
+        <p:nvSpPr>
+          <p:cNvPr id="39" name="Arrow: Right 38">
+            <a:extLst>
+              <a:ext uri="{FF2B5EF4-FFF2-40B4-BE49-F238E27FC236}">
+                <a16:creationId xmlns:a16="http://schemas.microsoft.com/office/drawing/2014/main" id="{00B5F9AB-2599-42ED-9C47-3104854FEC07}"/>
+              </a:ext>
+            </a:extLst>
+          </p:cNvPr>
+          <p:cNvSpPr/>
+          <p:nvPr/>
+        </p:nvSpPr>
+        <p:spPr>
+          <a:xfrm rot="273601">
+            <a:off x="5445305" y="4277119"/>
             <a:ext cx="1019908" cy="413238"/>
           </a:xfrm>
           <a:prstGeom prst="rightArrow">
@@ -4149,17 +4252,17 @@
             <a:pPr algn="ctr"/>
             <a:r>
               <a:rPr lang="en-US" dirty="0"/>
-              <a:t>0</a:t>
-            </a:r>
-          </a:p>
-        </p:txBody>
-      </p:sp>
-      <p:sp>
-        <p:nvSpPr>
-          <p:cNvPr id="23" name="Rectangle 22">
-            <a:extLst>
-              <a:ext uri="{FF2B5EF4-FFF2-40B4-BE49-F238E27FC236}">
-                <a16:creationId xmlns:a16="http://schemas.microsoft.com/office/drawing/2014/main" id="{3B0BA3C6-4A72-4292-888D-D34E4211311A}"/>
+              <a:t>1</a:t>
+            </a:r>
+          </a:p>
+        </p:txBody>
+      </p:sp>
+      <p:sp>
+        <p:nvSpPr>
+          <p:cNvPr id="40" name="Rectangle 39">
+            <a:extLst>
+              <a:ext uri="{FF2B5EF4-FFF2-40B4-BE49-F238E27FC236}">
+                <a16:creationId xmlns:a16="http://schemas.microsoft.com/office/drawing/2014/main" id="{F020E44A-D3D5-46C2-9B27-9E55C6E8B0AE}"/>
               </a:ext>
             </a:extLst>
           </p:cNvPr>
@@ -4168,105 +4271,7 @@
         </p:nvSpPr>
         <p:spPr>
           <a:xfrm>
-            <a:off x="6362797" y="3868968"/>
-            <a:ext cx="703385" cy="342900"/>
-          </a:xfrm>
-          <a:prstGeom prst="rect">
-            <a:avLst/>
-          </a:prstGeom>
-        </p:spPr>
-        <p:style>
-          <a:lnRef idx="2">
-            <a:schemeClr val="accent2">
-              <a:shade val="50000"/>
-            </a:schemeClr>
-          </a:lnRef>
-          <a:fillRef idx="1">
-            <a:schemeClr val="accent2"/>
-          </a:fillRef>
-          <a:effectRef idx="0">
-            <a:schemeClr val="accent2"/>
-          </a:effectRef>
-          <a:fontRef idx="minor">
-            <a:schemeClr val="lt1"/>
-          </a:fontRef>
-        </p:style>
-        <p:txBody>
-          <a:bodyPr rtlCol="0" anchor="ctr"/>
-          <a:lstStyle/>
-          <a:p>
-            <a:pPr algn="ctr"/>
-            <a:r>
-              <a:rPr lang="en-US" dirty="0"/>
-              <a:t>F</a:t>
-            </a:r>
-          </a:p>
-        </p:txBody>
-      </p:sp>
-      <p:sp>
-        <p:nvSpPr>
-          <p:cNvPr id="24" name="Arrow: Right 23">
-            <a:extLst>
-              <a:ext uri="{FF2B5EF4-FFF2-40B4-BE49-F238E27FC236}">
-                <a16:creationId xmlns:a16="http://schemas.microsoft.com/office/drawing/2014/main" id="{BD833555-AA66-4611-ACEB-07FD67686919}"/>
-              </a:ext>
-            </a:extLst>
-          </p:cNvPr>
-          <p:cNvSpPr/>
-          <p:nvPr/>
-        </p:nvSpPr>
-        <p:spPr>
-          <a:xfrm rot="521204">
-            <a:off x="5264932" y="4233932"/>
-            <a:ext cx="1019908" cy="413238"/>
-          </a:xfrm>
-          <a:prstGeom prst="rightArrow">
-            <a:avLst/>
-          </a:prstGeom>
-        </p:spPr>
-        <p:style>
-          <a:lnRef idx="2">
-            <a:schemeClr val="accent1">
-              <a:shade val="50000"/>
-            </a:schemeClr>
-          </a:lnRef>
-          <a:fillRef idx="1">
-            <a:schemeClr val="accent1"/>
-          </a:fillRef>
-          <a:effectRef idx="0">
-            <a:schemeClr val="accent1"/>
-          </a:effectRef>
-          <a:fontRef idx="minor">
-            <a:schemeClr val="lt1"/>
-          </a:fontRef>
-        </p:style>
-        <p:txBody>
-          <a:bodyPr rtlCol="0" anchor="ctr"/>
-          <a:lstStyle/>
-          <a:p>
-            <a:pPr algn="ctr"/>
-            <a:r>
-              <a:rPr lang="en-US" dirty="0"/>
-              <a:t>1</a:t>
-            </a:r>
-          </a:p>
-        </p:txBody>
-      </p:sp>
-      <p:sp>
-        <p:nvSpPr>
-          <p:cNvPr id="25" name="Rectangle 24">
-            <a:extLst>
-              <a:ext uri="{FF2B5EF4-FFF2-40B4-BE49-F238E27FC236}">
-                <a16:creationId xmlns:a16="http://schemas.microsoft.com/office/drawing/2014/main" id="{DB8DF297-F7D6-40D1-9CAE-ABDB2AA3CD99}"/>
-              </a:ext>
-            </a:extLst>
-          </p:cNvPr>
-          <p:cNvSpPr/>
-          <p:nvPr/>
-        </p:nvSpPr>
-        <p:spPr>
-          <a:xfrm>
-            <a:off x="6362796" y="4378920"/>
+            <a:off x="6530412" y="4421668"/>
             <a:ext cx="703385" cy="342900"/>
           </a:xfrm>
           <a:prstGeom prst="rect">
